--- a/Homework 6/Persona_Profile_Nikos_Georgiou5.pptx
+++ b/Homework 6/Persona_Profile_Nikos_Georgiou5.pptx
@@ -3145,7 +3145,7 @@
             </a:pPr>
             <a:r>
               <a:rPr lang="en-CY" sz="1300" b="1" dirty="0"/>
-              <a:t>🛠 </a:t>
+              <a:t> </a:t>
             </a:r>
             <a:r>
               <a:rPr lang="en-GB" sz="1300" b="1" dirty="0"/>
@@ -3191,7 +3191,7 @@
             </a:pPr>
             <a:r>
               <a:rPr lang="en-CY" sz="1300" b="1" dirty="0"/>
-              <a:t>🎯 </a:t>
+              <a:t> </a:t>
             </a:r>
             <a:r>
               <a:rPr lang="en-GB" sz="1300" b="1" dirty="0"/>
@@ -3199,12 +3199,9 @@
             </a:r>
           </a:p>
           <a:p>
-            <a:pPr marL="0" indent="0">
-              <a:buNone/>
-            </a:pPr>
             <a:r>
               <a:rPr lang="en-CY" sz="1200" dirty="0"/>
-              <a:t>✅ </a:t>
+              <a:t> </a:t>
             </a:r>
             <a:r>
               <a:rPr lang="en-GB" sz="1200" dirty="0"/>
@@ -3212,25 +3209,15 @@
             </a:r>
           </a:p>
           <a:p>
-            <a:pPr marL="0" indent="0">
-              <a:buNone/>
-            </a:pPr>
+            <a:r>
+              <a:rPr lang="en-GB" sz="1200" dirty="0"/>
+              <a:t> Meaningful Travel (25%)</a:t>
+            </a:r>
+          </a:p>
+          <a:p>
             <a:r>
               <a:rPr lang="en-CY" sz="1200" dirty="0"/>
-              <a:t>✅ </a:t>
-            </a:r>
-            <a:r>
-              <a:rPr lang="en-GB" sz="1200" dirty="0"/>
-              <a:t>Meaningful Travel (25%)</a:t>
-            </a:r>
-          </a:p>
-          <a:p>
-            <a:pPr marL="0" indent="0">
-              <a:buNone/>
-            </a:pPr>
-            <a:r>
-              <a:rPr lang="en-CY" sz="1200" dirty="0"/>
-              <a:t>✅ </a:t>
+              <a:t> </a:t>
             </a:r>
             <a:r>
               <a:rPr lang="en-GB" sz="1200" dirty="0"/>
@@ -3238,12 +3225,9 @@
             </a:r>
           </a:p>
           <a:p>
-            <a:pPr marL="0" indent="0">
-              <a:buNone/>
-            </a:pPr>
             <a:r>
               <a:rPr lang="en-CY" sz="1200" dirty="0"/>
-              <a:t>✅ </a:t>
+              <a:t> </a:t>
             </a:r>
             <a:r>
               <a:rPr lang="en-GB" sz="1200" dirty="0"/>
@@ -3251,12 +3235,9 @@
             </a:r>
           </a:p>
           <a:p>
-            <a:pPr marL="0" indent="0">
-              <a:buNone/>
-            </a:pPr>
             <a:r>
               <a:rPr lang="en-CY" sz="1200" dirty="0"/>
-              <a:t>✅ </a:t>
+              <a:t> </a:t>
             </a:r>
             <a:r>
               <a:rPr lang="en-GB" sz="1200" dirty="0"/>
@@ -3275,7 +3256,7 @@
             </a:pPr>
             <a:r>
               <a:rPr lang="en-CY" sz="1300" b="1" dirty="0"/>
-              <a:t>📱 </a:t>
+              <a:t> </a:t>
             </a:r>
             <a:r>
               <a:rPr lang="en-GB" sz="1300" b="1" dirty="0"/>
@@ -3283,39 +3264,18 @@
             </a:r>
           </a:p>
           <a:p>
-            <a:pPr marL="0" indent="0">
-              <a:buNone/>
-            </a:pPr>
-            <a:r>
-              <a:rPr lang="en-CY" sz="1200" dirty="0"/>
-              <a:t>🟢 </a:t>
-            </a:r>
             <a:r>
               <a:rPr lang="en-GB" sz="1200" dirty="0"/>
               <a:t>Uses Tourmate, Duolingo, Airbnb, Waze GPS</a:t>
             </a:r>
           </a:p>
           <a:p>
-            <a:pPr marL="0" indent="0">
-              <a:buNone/>
-            </a:pPr>
-            <a:r>
-              <a:rPr lang="en-CY" sz="1200" dirty="0"/>
-              <a:t>🟢 </a:t>
-            </a:r>
             <a:r>
               <a:rPr lang="en-GB" sz="1200" dirty="0"/>
               <a:t>Relies on offline maps, eSIMs, power banks</a:t>
             </a:r>
           </a:p>
           <a:p>
-            <a:pPr marL="0" indent="0">
-              <a:buNone/>
-            </a:pPr>
-            <a:r>
-              <a:rPr lang="en-CY" sz="1200" dirty="0"/>
-              <a:t>🟢 </a:t>
-            </a:r>
             <a:r>
               <a:rPr lang="en-GB" sz="1200" dirty="0"/>
               <a:t>Engages in Nomad List, Reddit (r/digitalnomad), Eco-Travel Meetups</a:t>
@@ -3333,7 +3293,7 @@
             </a:pPr>
             <a:r>
               <a:rPr lang="en-CY" sz="1300" b="1" dirty="0"/>
-              <a:t>🤝 </a:t>
+              <a:t> </a:t>
             </a:r>
             <a:r>
               <a:rPr lang="en-GB" sz="1300" b="1" dirty="0"/>
@@ -3346,7 +3306,7 @@
             </a:pPr>
             <a:r>
               <a:rPr lang="en-CY" sz="1200" dirty="0"/>
-              <a:t>🌱 </a:t>
+              <a:t> </a:t>
             </a:r>
             <a:r>
               <a:rPr lang="en-GB" sz="1200" dirty="0"/>
@@ -3354,7 +3314,7 @@
             </a:r>
             <a:r>
               <a:rPr lang="en-CY" sz="1200" dirty="0"/>
-              <a:t>📱 </a:t>
+              <a:t> </a:t>
             </a:r>
             <a:r>
               <a:rPr lang="en-GB" sz="1200" dirty="0"/>
@@ -3362,7 +3322,7 @@
             </a:r>
             <a:r>
               <a:rPr lang="en-CY" sz="1200" dirty="0"/>
-              <a:t>👥 </a:t>
+              <a:t> </a:t>
             </a:r>
             <a:r>
               <a:rPr lang="en-GB" sz="1200" dirty="0"/>
@@ -3439,23 +3399,15 @@
             </a:pPr>
             <a:r>
               <a:rPr lang="en-CY" sz="1400" b="1" dirty="0"/>
-              <a:t>| 📍 </a:t>
+              <a:t>|</a:t>
             </a:r>
             <a:r>
               <a:rPr lang="en-GB" sz="1400" b="1" dirty="0"/>
-              <a:t>Paphos, Cyprus | </a:t>
+              <a:t>Paphos, Cyprus |Freelance Web Developer |</a:t>
             </a:r>
             <a:r>
               <a:rPr lang="en-CY" sz="1400" b="1" dirty="0"/>
-              <a:t>🧑‍💻 </a:t>
-            </a:r>
-            <a:r>
-              <a:rPr lang="en-GB" sz="1400" b="1" dirty="0"/>
-              <a:t>Freelance Web Developer | </a:t>
-            </a:r>
-            <a:r>
-              <a:rPr lang="en-CY" sz="1400" b="1" dirty="0"/>
-              <a:t>🌍 </a:t>
+              <a:t> </a:t>
             </a:r>
             <a:r>
               <a:rPr lang="en-GB" sz="1400" b="1" dirty="0"/>
@@ -3468,23 +3420,7 @@
             </a:pPr>
             <a:r>
               <a:rPr lang="en-GB" sz="1400" b="1" dirty="0"/>
-              <a:t>| </a:t>
-            </a:r>
-            <a:r>
-              <a:rPr lang="en-CY" sz="1400" b="1" dirty="0"/>
-              <a:t>💰 </a:t>
-            </a:r>
-            <a:r>
-              <a:rPr lang="en-GB" sz="1400" b="1" dirty="0"/>
-              <a:t>Income: €40,000/year | </a:t>
-            </a:r>
-            <a:r>
-              <a:rPr lang="en-CY" sz="1400" b="1" dirty="0"/>
-              <a:t>🎓 </a:t>
-            </a:r>
-            <a:r>
-              <a:rPr lang="en-GB" sz="1400" b="1" dirty="0"/>
-              <a:t>Education: M.Sc. Computer Science |</a:t>
+              <a:t>| Income: €40,000/year |Education: M.Sc. Computer Science |</a:t>
             </a:r>
           </a:p>
         </p:txBody>
